--- a/TODO/1-Saturday/Org_Chart.pptx
+++ b/TODO/1-Saturday/Org_Chart.pptx
@@ -288,7 +288,7 @@
           <a:p>
             <a:fld id="{0B4BB7DD-0BE7-4F2D-BF64-DB667025B8CB}" type="datetimeFigureOut">
               <a:rPr lang="en-US" smtClean="0"/>
-              <a:t>12/4/2015</a:t>
+              <a:t>12/5/2015</a:t>
             </a:fld>
             <a:endParaRPr lang="en-US"/>
           </a:p>
@@ -458,7 +458,7 @@
           <a:p>
             <a:fld id="{0B4BB7DD-0BE7-4F2D-BF64-DB667025B8CB}" type="datetimeFigureOut">
               <a:rPr lang="en-US" smtClean="0"/>
-              <a:t>12/4/2015</a:t>
+              <a:t>12/5/2015</a:t>
             </a:fld>
             <a:endParaRPr lang="en-US"/>
           </a:p>
@@ -638,7 +638,7 @@
           <a:p>
             <a:fld id="{0B4BB7DD-0BE7-4F2D-BF64-DB667025B8CB}" type="datetimeFigureOut">
               <a:rPr lang="en-US" smtClean="0"/>
-              <a:t>12/4/2015</a:t>
+              <a:t>12/5/2015</a:t>
             </a:fld>
             <a:endParaRPr lang="en-US"/>
           </a:p>
@@ -808,7 +808,7 @@
           <a:p>
             <a:fld id="{0B4BB7DD-0BE7-4F2D-BF64-DB667025B8CB}" type="datetimeFigureOut">
               <a:rPr lang="en-US" smtClean="0"/>
-              <a:t>12/4/2015</a:t>
+              <a:t>12/5/2015</a:t>
             </a:fld>
             <a:endParaRPr lang="en-US"/>
           </a:p>
@@ -1054,7 +1054,7 @@
           <a:p>
             <a:fld id="{0B4BB7DD-0BE7-4F2D-BF64-DB667025B8CB}" type="datetimeFigureOut">
               <a:rPr lang="en-US" smtClean="0"/>
-              <a:t>12/4/2015</a:t>
+              <a:t>12/5/2015</a:t>
             </a:fld>
             <a:endParaRPr lang="en-US"/>
           </a:p>
@@ -1342,7 +1342,7 @@
           <a:p>
             <a:fld id="{0B4BB7DD-0BE7-4F2D-BF64-DB667025B8CB}" type="datetimeFigureOut">
               <a:rPr lang="en-US" smtClean="0"/>
-              <a:t>12/4/2015</a:t>
+              <a:t>12/5/2015</a:t>
             </a:fld>
             <a:endParaRPr lang="en-US"/>
           </a:p>
@@ -1764,7 +1764,7 @@
           <a:p>
             <a:fld id="{0B4BB7DD-0BE7-4F2D-BF64-DB667025B8CB}" type="datetimeFigureOut">
               <a:rPr lang="en-US" smtClean="0"/>
-              <a:t>12/4/2015</a:t>
+              <a:t>12/5/2015</a:t>
             </a:fld>
             <a:endParaRPr lang="en-US"/>
           </a:p>
@@ -1882,7 +1882,7 @@
           <a:p>
             <a:fld id="{0B4BB7DD-0BE7-4F2D-BF64-DB667025B8CB}" type="datetimeFigureOut">
               <a:rPr lang="en-US" smtClean="0"/>
-              <a:t>12/4/2015</a:t>
+              <a:t>12/5/2015</a:t>
             </a:fld>
             <a:endParaRPr lang="en-US"/>
           </a:p>
@@ -1977,7 +1977,7 @@
           <a:p>
             <a:fld id="{0B4BB7DD-0BE7-4F2D-BF64-DB667025B8CB}" type="datetimeFigureOut">
               <a:rPr lang="en-US" smtClean="0"/>
-              <a:t>12/4/2015</a:t>
+              <a:t>12/5/2015</a:t>
             </a:fld>
             <a:endParaRPr lang="en-US"/>
           </a:p>
@@ -2254,7 +2254,7 @@
           <a:p>
             <a:fld id="{0B4BB7DD-0BE7-4F2D-BF64-DB667025B8CB}" type="datetimeFigureOut">
               <a:rPr lang="en-US" smtClean="0"/>
-              <a:t>12/4/2015</a:t>
+              <a:t>12/5/2015</a:t>
             </a:fld>
             <a:endParaRPr lang="en-US"/>
           </a:p>
@@ -2507,7 +2507,7 @@
           <a:p>
             <a:fld id="{0B4BB7DD-0BE7-4F2D-BF64-DB667025B8CB}" type="datetimeFigureOut">
               <a:rPr lang="en-US" smtClean="0"/>
-              <a:t>12/4/2015</a:t>
+              <a:t>12/5/2015</a:t>
             </a:fld>
             <a:endParaRPr lang="en-US"/>
           </a:p>
@@ -2720,7 +2720,7 @@
           <a:p>
             <a:fld id="{0B4BB7DD-0BE7-4F2D-BF64-DB667025B8CB}" type="datetimeFigureOut">
               <a:rPr lang="en-US" smtClean="0"/>
-              <a:t>12/4/2015</a:t>
+              <a:t>12/5/2015</a:t>
             </a:fld>
             <a:endParaRPr lang="en-US"/>
           </a:p>
@@ -3187,7 +3187,7 @@
         </p:nvSpPr>
         <p:spPr>
           <a:xfrm>
-            <a:off x="6881254" y="4457699"/>
+            <a:off x="6019801" y="4200939"/>
             <a:ext cx="1417009" cy="533400"/>
           </a:xfrm>
           <a:prstGeom prst="rect">
@@ -3235,7 +3235,7 @@
         </p:nvSpPr>
         <p:spPr>
           <a:xfrm>
-            <a:off x="625510" y="2514600"/>
+            <a:off x="990601" y="2247901"/>
             <a:ext cx="1417009" cy="533400"/>
           </a:xfrm>
           <a:prstGeom prst="rect">
@@ -3283,7 +3283,7 @@
         </p:nvSpPr>
         <p:spPr>
           <a:xfrm>
-            <a:off x="6888790" y="3505201"/>
+            <a:off x="6027337" y="3248441"/>
             <a:ext cx="1417009" cy="533400"/>
           </a:xfrm>
           <a:prstGeom prst="rect">
@@ -3331,7 +3331,7 @@
         </p:nvSpPr>
         <p:spPr>
           <a:xfrm>
-            <a:off x="6888791" y="2514600"/>
+            <a:off x="6027338" y="2257840"/>
             <a:ext cx="1417009" cy="533400"/>
           </a:xfrm>
           <a:prstGeom prst="rect">
@@ -3379,7 +3379,7 @@
         </p:nvSpPr>
         <p:spPr>
           <a:xfrm>
-            <a:off x="4655090" y="2514600"/>
+            <a:off x="4343401" y="2257840"/>
             <a:ext cx="1417009" cy="533400"/>
           </a:xfrm>
           <a:prstGeom prst="rect">
@@ -3427,7 +3427,7 @@
         </p:nvSpPr>
         <p:spPr>
           <a:xfrm>
-            <a:off x="2667000" y="2514600"/>
+            <a:off x="2667001" y="2257840"/>
             <a:ext cx="1417009" cy="533400"/>
           </a:xfrm>
           <a:prstGeom prst="rect">
@@ -3475,7 +3475,7 @@
         </p:nvSpPr>
         <p:spPr>
           <a:xfrm>
-            <a:off x="625509" y="3657600"/>
+            <a:off x="990600" y="3390901"/>
             <a:ext cx="1417009" cy="533400"/>
           </a:xfrm>
           <a:prstGeom prst="rect">
@@ -3526,8 +3526,8 @@
         </p:nvCxnSpPr>
         <p:spPr>
           <a:xfrm rot="5400000">
-            <a:off x="2381592" y="628824"/>
-            <a:ext cx="838200" cy="2933353"/>
+            <a:off x="2697487" y="678019"/>
+            <a:ext cx="571501" cy="2568262"/>
           </a:xfrm>
           <a:prstGeom prst="bentConnector3">
             <a:avLst/>
@@ -3559,8 +3559,8 @@
         </p:nvCxnSpPr>
         <p:spPr>
           <a:xfrm rot="5400000">
-            <a:off x="3402337" y="1649569"/>
-            <a:ext cx="838200" cy="891863"/>
+            <a:off x="3530717" y="1521189"/>
+            <a:ext cx="581440" cy="891862"/>
           </a:xfrm>
           <a:prstGeom prst="bentConnector3">
             <a:avLst/>
@@ -3592,8 +3592,8 @@
         </p:nvCxnSpPr>
         <p:spPr>
           <a:xfrm rot="16200000" flipH="1">
-            <a:off x="4396381" y="1547386"/>
-            <a:ext cx="838200" cy="1096227"/>
+            <a:off x="4368917" y="1574851"/>
+            <a:ext cx="581440" cy="784538"/>
           </a:xfrm>
           <a:prstGeom prst="bentConnector3">
             <a:avLst/>
@@ -3625,8 +3625,8 @@
         </p:nvCxnSpPr>
         <p:spPr>
           <a:xfrm rot="16200000" flipH="1">
-            <a:off x="5513232" y="430536"/>
-            <a:ext cx="838200" cy="3329928"/>
+            <a:off x="5210885" y="732882"/>
+            <a:ext cx="581440" cy="2468475"/>
           </a:xfrm>
           <a:prstGeom prst="bentConnector3">
             <a:avLst/>
@@ -3658,7 +3658,7 @@
         </p:nvCxnSpPr>
         <p:spPr>
           <a:xfrm rot="5400000">
-            <a:off x="1029215" y="3352800"/>
+            <a:off x="1394306" y="3086101"/>
             <a:ext cx="609600" cy="1"/>
           </a:xfrm>
           <a:prstGeom prst="bentConnector3">
@@ -3691,7 +3691,7 @@
         </p:nvCxnSpPr>
         <p:spPr>
           <a:xfrm rot="5400000">
-            <a:off x="7368696" y="3276600"/>
+            <a:off x="6507243" y="3019840"/>
             <a:ext cx="457201" cy="1"/>
           </a:xfrm>
           <a:prstGeom prst="bentConnector3">
@@ -3724,7 +3724,7 @@
         </p:nvCxnSpPr>
         <p:spPr>
           <a:xfrm rot="5400000">
-            <a:off x="7383978" y="4244382"/>
+            <a:off x="6522525" y="3987622"/>
             <a:ext cx="419098" cy="7536"/>
           </a:xfrm>
           <a:prstGeom prst="bentConnector3">
